--- a/lectures/10.composite/composite.pptx
+++ b/lectures/10.composite/composite.pptx
@@ -9892,7 +9892,7 @@
           <a:p>
             <a:fld id="{2F3DCB6D-0B48-4A3D-B663-06C3F903A9D3}" type="datetimeFigureOut">
               <a:rPr lang="ru-RU" smtClean="0"/>
-              <a:t>26.05.2016</a:t>
+              <a:t>17.06.2018</a:t>
             </a:fld>
             <a:endParaRPr lang="ru-RU"/>
           </a:p>
@@ -10489,7 +10489,7 @@
           <a:p>
             <a:fld id="{2590F9C9-AB92-4E86-B698-DEC9BF4350FF}" type="datetimeFigureOut">
               <a:rPr lang="ru-RU" smtClean="0"/>
-              <a:t>26.05.2016</a:t>
+              <a:t>17.06.2018</a:t>
             </a:fld>
             <a:endParaRPr lang="ru-RU"/>
           </a:p>
@@ -10713,7 +10713,7 @@
           <a:p>
             <a:fld id="{2590F9C9-AB92-4E86-B698-DEC9BF4350FF}" type="datetimeFigureOut">
               <a:rPr lang="ru-RU" smtClean="0"/>
-              <a:t>26.05.2016</a:t>
+              <a:t>17.06.2018</a:t>
             </a:fld>
             <a:endParaRPr lang="ru-RU"/>
           </a:p>
@@ -10985,7 +10985,7 @@
           <a:p>
             <a:fld id="{2590F9C9-AB92-4E86-B698-DEC9BF4350FF}" type="datetimeFigureOut">
               <a:rPr lang="ru-RU" smtClean="0"/>
-              <a:t>26.05.2016</a:t>
+              <a:t>17.06.2018</a:t>
             </a:fld>
             <a:endParaRPr lang="ru-RU"/>
           </a:p>
@@ -11160,7 +11160,7 @@
           <a:p>
             <a:fld id="{2590F9C9-AB92-4E86-B698-DEC9BF4350FF}" type="datetimeFigureOut">
               <a:rPr lang="ru-RU" smtClean="0"/>
-              <a:t>26.05.2016</a:t>
+              <a:t>17.06.2018</a:t>
             </a:fld>
             <a:endParaRPr lang="ru-RU"/>
           </a:p>
@@ -11521,7 +11521,7 @@
           <a:p>
             <a:fld id="{2590F9C9-AB92-4E86-B698-DEC9BF4350FF}" type="datetimeFigureOut">
               <a:rPr lang="ru-RU" smtClean="0"/>
-              <a:t>26.05.2016</a:t>
+              <a:t>17.06.2018</a:t>
             </a:fld>
             <a:endParaRPr lang="ru-RU"/>
           </a:p>
@@ -11806,7 +11806,7 @@
           <a:p>
             <a:fld id="{2590F9C9-AB92-4E86-B698-DEC9BF4350FF}" type="datetimeFigureOut">
               <a:rPr lang="ru-RU" smtClean="0"/>
-              <a:t>26.05.2016</a:t>
+              <a:t>17.06.2018</a:t>
             </a:fld>
             <a:endParaRPr lang="ru-RU"/>
           </a:p>
@@ -12235,7 +12235,7 @@
           <a:p>
             <a:fld id="{2590F9C9-AB92-4E86-B698-DEC9BF4350FF}" type="datetimeFigureOut">
               <a:rPr lang="ru-RU" smtClean="0"/>
-              <a:t>26.05.2016</a:t>
+              <a:t>17.06.2018</a:t>
             </a:fld>
             <a:endParaRPr lang="ru-RU"/>
           </a:p>
@@ -12348,7 +12348,7 @@
           <a:p>
             <a:fld id="{2590F9C9-AB92-4E86-B698-DEC9BF4350FF}" type="datetimeFigureOut">
               <a:rPr lang="ru-RU" smtClean="0"/>
-              <a:t>26.05.2016</a:t>
+              <a:t>17.06.2018</a:t>
             </a:fld>
             <a:endParaRPr lang="ru-RU"/>
           </a:p>
@@ -12445,7 +12445,7 @@
           <a:p>
             <a:fld id="{2590F9C9-AB92-4E86-B698-DEC9BF4350FF}" type="datetimeFigureOut">
               <a:rPr lang="ru-RU" smtClean="0"/>
-              <a:t>26.05.2016</a:t>
+              <a:t>17.06.2018</a:t>
             </a:fld>
             <a:endParaRPr lang="ru-RU"/>
           </a:p>
@@ -12730,7 +12730,7 @@
           <a:p>
             <a:fld id="{2590F9C9-AB92-4E86-B698-DEC9BF4350FF}" type="datetimeFigureOut">
               <a:rPr lang="ru-RU" smtClean="0"/>
-              <a:t>26.05.2016</a:t>
+              <a:t>17.06.2018</a:t>
             </a:fld>
             <a:endParaRPr lang="ru-RU"/>
           </a:p>
@@ -13092,7 +13092,7 @@
           <a:p>
             <a:fld id="{2590F9C9-AB92-4E86-B698-DEC9BF4350FF}" type="datetimeFigureOut">
               <a:rPr lang="ru-RU" smtClean="0"/>
-              <a:t>26.05.2016</a:t>
+              <a:t>17.06.2018</a:t>
             </a:fld>
             <a:endParaRPr lang="ru-RU"/>
           </a:p>
@@ -13517,7 +13517,7 @@
           <a:p>
             <a:fld id="{2590F9C9-AB92-4E86-B698-DEC9BF4350FF}" type="datetimeFigureOut">
               <a:rPr lang="ru-RU" smtClean="0"/>
-              <a:t>26.05.2016</a:t>
+              <a:t>17.06.2018</a:t>
             </a:fld>
             <a:endParaRPr lang="ru-RU"/>
           </a:p>
@@ -20619,8 +20619,20 @@
           <a:p>
             <a:pPr lvl="3"/>
             <a:r>
+              <a:rPr lang="en-US" dirty="0" err="1" smtClean="0"/>
+              <a:t>std</a:t>
+            </a:r>
+            <a:r>
               <a:rPr lang="en-US" dirty="0" smtClean="0"/>
-              <a:t>boost::variant</a:t>
+              <a:t>::variant/boost</a:t>
+            </a:r>
+            <a:r>
+              <a:rPr lang="en-US" dirty="0" smtClean="0"/>
+              <a:t>::</a:t>
+            </a:r>
+            <a:r>
+              <a:rPr lang="en-US" dirty="0" smtClean="0"/>
+              <a:t>variant</a:t>
             </a:r>
             <a:endParaRPr lang="ru-RU" dirty="0" smtClean="0"/>
           </a:p>
@@ -20655,8 +20667,13 @@
             </a:r>
             <a:r>
               <a:rPr lang="ru-RU" dirty="0" smtClean="0"/>
-              <a:t>должны быть аналогичным образом</a:t>
-            </a:r>
+              <a:t>должны быть аналогичным </a:t>
+            </a:r>
+            <a:r>
+              <a:rPr lang="ru-RU" dirty="0" smtClean="0"/>
+              <a:t>образом</a:t>
+            </a:r>
+            <a:endParaRPr lang="ru-RU" dirty="0" smtClean="0"/>
           </a:p>
           <a:p>
             <a:r>
@@ -20814,8 +20831,13 @@
             <a:pPr lvl="1"/>
             <a:r>
               <a:rPr lang="ru-RU" dirty="0" smtClean="0"/>
-              <a:t>Позволяет более точно управлять компонентами стилей – цвет, толщина линий, включение/отключение заливки</a:t>
-            </a:r>
+              <a:t>Позволяет более точно управлять компонентами стилей – цвет, толщина линий, включение/отключение </a:t>
+            </a:r>
+            <a:r>
+              <a:rPr lang="ru-RU" dirty="0" smtClean="0"/>
+              <a:t>заливки</a:t>
+            </a:r>
+            <a:endParaRPr lang="en-US" dirty="0" smtClean="0"/>
           </a:p>
         </p:txBody>
       </p:sp>
